--- a/doc/presentation.pptx
+++ b/doc/presentation.pptx
@@ -227,7 +227,7 @@
           <a:p>
             <a:fld id="{77C5325B-EF57-457A-9DA7-9C52743E53B1}" type="datetimeFigureOut">
               <a:rPr lang="ru-RU" smtClean="0"/>
-              <a:t>29.06.2019</a:t>
+              <a:t>06.12.2019</a:t>
             </a:fld>
             <a:endParaRPr lang="ru-RU"/>
           </a:p>
@@ -1550,7 +1550,7 @@
           <a:p>
             <a:fld id="{1FA22ABD-CA6D-44D4-90A2-6ACEF3ABE7AB}" type="datetimeFigureOut">
               <a:rPr lang="ru-RU" smtClean="0"/>
-              <a:t>29.06.2019</a:t>
+              <a:t>06.12.2019</a:t>
             </a:fld>
             <a:endParaRPr lang="ru-RU"/>
           </a:p>
@@ -1720,7 +1720,7 @@
           <a:p>
             <a:fld id="{1FA22ABD-CA6D-44D4-90A2-6ACEF3ABE7AB}" type="datetimeFigureOut">
               <a:rPr lang="ru-RU" smtClean="0"/>
-              <a:t>29.06.2019</a:t>
+              <a:t>06.12.2019</a:t>
             </a:fld>
             <a:endParaRPr lang="ru-RU"/>
           </a:p>
@@ -1900,7 +1900,7 @@
           <a:p>
             <a:fld id="{1FA22ABD-CA6D-44D4-90A2-6ACEF3ABE7AB}" type="datetimeFigureOut">
               <a:rPr lang="ru-RU" smtClean="0"/>
-              <a:t>29.06.2019</a:t>
+              <a:t>06.12.2019</a:t>
             </a:fld>
             <a:endParaRPr lang="ru-RU"/>
           </a:p>
@@ -2070,7 +2070,7 @@
           <a:p>
             <a:fld id="{1FA22ABD-CA6D-44D4-90A2-6ACEF3ABE7AB}" type="datetimeFigureOut">
               <a:rPr lang="ru-RU" smtClean="0"/>
-              <a:t>29.06.2019</a:t>
+              <a:t>06.12.2019</a:t>
             </a:fld>
             <a:endParaRPr lang="ru-RU"/>
           </a:p>
@@ -2316,7 +2316,7 @@
           <a:p>
             <a:fld id="{1FA22ABD-CA6D-44D4-90A2-6ACEF3ABE7AB}" type="datetimeFigureOut">
               <a:rPr lang="ru-RU" smtClean="0"/>
-              <a:t>29.06.2019</a:t>
+              <a:t>06.12.2019</a:t>
             </a:fld>
             <a:endParaRPr lang="ru-RU"/>
           </a:p>
@@ -2548,7 +2548,7 @@
           <a:p>
             <a:fld id="{1FA22ABD-CA6D-44D4-90A2-6ACEF3ABE7AB}" type="datetimeFigureOut">
               <a:rPr lang="ru-RU" smtClean="0"/>
-              <a:t>29.06.2019</a:t>
+              <a:t>06.12.2019</a:t>
             </a:fld>
             <a:endParaRPr lang="ru-RU"/>
           </a:p>
@@ -2915,7 +2915,7 @@
           <a:p>
             <a:fld id="{1FA22ABD-CA6D-44D4-90A2-6ACEF3ABE7AB}" type="datetimeFigureOut">
               <a:rPr lang="ru-RU" smtClean="0"/>
-              <a:t>29.06.2019</a:t>
+              <a:t>06.12.2019</a:t>
             </a:fld>
             <a:endParaRPr lang="ru-RU"/>
           </a:p>
@@ -3033,7 +3033,7 @@
           <a:p>
             <a:fld id="{1FA22ABD-CA6D-44D4-90A2-6ACEF3ABE7AB}" type="datetimeFigureOut">
               <a:rPr lang="ru-RU" smtClean="0"/>
-              <a:t>29.06.2019</a:t>
+              <a:t>06.12.2019</a:t>
             </a:fld>
             <a:endParaRPr lang="ru-RU"/>
           </a:p>
@@ -3128,7 +3128,7 @@
           <a:p>
             <a:fld id="{1FA22ABD-CA6D-44D4-90A2-6ACEF3ABE7AB}" type="datetimeFigureOut">
               <a:rPr lang="ru-RU" smtClean="0"/>
-              <a:t>29.06.2019</a:t>
+              <a:t>06.12.2019</a:t>
             </a:fld>
             <a:endParaRPr lang="ru-RU"/>
           </a:p>
@@ -3405,7 +3405,7 @@
           <a:p>
             <a:fld id="{1FA22ABD-CA6D-44D4-90A2-6ACEF3ABE7AB}" type="datetimeFigureOut">
               <a:rPr lang="ru-RU" smtClean="0"/>
-              <a:t>29.06.2019</a:t>
+              <a:t>06.12.2019</a:t>
             </a:fld>
             <a:endParaRPr lang="ru-RU"/>
           </a:p>
@@ -3658,7 +3658,7 @@
           <a:p>
             <a:fld id="{1FA22ABD-CA6D-44D4-90A2-6ACEF3ABE7AB}" type="datetimeFigureOut">
               <a:rPr lang="ru-RU" smtClean="0"/>
-              <a:t>29.06.2019</a:t>
+              <a:t>06.12.2019</a:t>
             </a:fld>
             <a:endParaRPr lang="ru-RU"/>
           </a:p>
@@ -3871,7 +3871,7 @@
           <a:p>
             <a:fld id="{1FA22ABD-CA6D-44D4-90A2-6ACEF3ABE7AB}" type="datetimeFigureOut">
               <a:rPr lang="ru-RU" smtClean="0"/>
-              <a:t>29.06.2019</a:t>
+              <a:t>06.12.2019</a:t>
             </a:fld>
             <a:endParaRPr lang="ru-RU"/>
           </a:p>
@@ -8757,8 +8757,8 @@
         </p:blipFill>
         <p:spPr>
           <a:xfrm>
-            <a:off x="4264819" y="2513409"/>
-            <a:ext cx="1831181" cy="1831181"/>
+            <a:off x="4675585" y="2718792"/>
+            <a:ext cx="1420415" cy="1420415"/>
           </a:xfrm>
           <a:prstGeom prst="rect">
             <a:avLst/>
@@ -9078,82 +9078,6 @@
           <a:chExt cx="0" cy="0"/>
         </a:xfrm>
       </p:grpSpPr>
-      <p:pic>
-        <p:nvPicPr>
-          <p:cNvPr id="4" name="Рисунок 3"/>
-          <p:cNvPicPr>
-            <a:picLocks noChangeAspect="1"/>
-          </p:cNvPicPr>
-          <p:nvPr/>
-        </p:nvPicPr>
-        <p:blipFill>
-          <a:blip r:embed="rId2" cstate="print">
-            <a:extLst>
-              <a:ext uri="{28A0092B-C50C-407E-A947-70E740481C1C}">
-                <a14:useLocalDpi xmlns:a14="http://schemas.microsoft.com/office/drawing/2010/main" val="0"/>
-              </a:ext>
-            </a:extLst>
-          </a:blip>
-          <a:stretch>
-            <a:fillRect/>
-          </a:stretch>
-        </p:blipFill>
-        <p:spPr>
-          <a:xfrm>
-            <a:off x="4264819" y="3028314"/>
-            <a:ext cx="1831181" cy="1831181"/>
-          </a:xfrm>
-          <a:prstGeom prst="rect">
-            <a:avLst/>
-          </a:prstGeom>
-        </p:spPr>
-      </p:pic>
-      <p:sp>
-        <p:nvSpPr>
-          <p:cNvPr id="3" name="Заголовок 1"/>
-          <p:cNvSpPr>
-            <a:spLocks noGrp="1"/>
-          </p:cNvSpPr>
-          <p:nvPr>
-            <p:ph type="ctrTitle"/>
-          </p:nvPr>
-        </p:nvSpPr>
-        <p:spPr>
-          <a:xfrm>
-            <a:off x="6096000" y="3439080"/>
-            <a:ext cx="1359877" cy="1009650"/>
-          </a:xfrm>
-        </p:spPr>
-        <p:txBody>
-          <a:bodyPr/>
-          <a:lstStyle/>
-          <a:p>
-            <a:r>
-              <a:rPr lang="en-US" dirty="0" smtClean="0">
-                <a:solidFill>
-                  <a:schemeClr val="tx1">
-                    <a:lumMod val="95000"/>
-                    <a:lumOff val="5000"/>
-                  </a:schemeClr>
-                </a:solidFill>
-                <a:latin typeface="Trebuchet MS" panose="020B0603020202020204" pitchFamily="34" charset="0"/>
-                <a:cs typeface="Kenney Blocks" panose="00000400000000000000" pitchFamily="2" charset="-79"/>
-              </a:rPr>
-              <a:t>Ele</a:t>
-            </a:r>
-            <a:endParaRPr lang="ru-RU" dirty="0">
-              <a:solidFill>
-                <a:schemeClr val="tx1">
-                  <a:lumMod val="95000"/>
-                  <a:lumOff val="5000"/>
-                </a:schemeClr>
-              </a:solidFill>
-              <a:latin typeface="Trebuchet MS" panose="020B0603020202020204" pitchFamily="34" charset="0"/>
-              <a:cs typeface="Kenney Blocks" panose="00000400000000000000" pitchFamily="2" charset="-79"/>
-            </a:endParaRPr>
-          </a:p>
-        </p:txBody>
-      </p:sp>
       <p:sp>
         <p:nvSpPr>
           <p:cNvPr id="5" name="Заголовок 1"/>
@@ -9164,7 +9088,7 @@
         </p:nvSpPr>
         <p:spPr>
           <a:xfrm>
-            <a:off x="1634970" y="2018664"/>
+            <a:off x="1697114" y="2934255"/>
             <a:ext cx="8797771" cy="1009650"/>
           </a:xfrm>
           <a:prstGeom prst="rect">
@@ -9267,132 +9191,7 @@
                             </p:stCondLst>
                             <p:childTnLst>
                               <p:par>
-                                <p:cTn id="5" presetID="42" presetClass="entr" presetSubtype="0" fill="hold" grpId="0" nodeType="afterEffect">
-                                  <p:stCondLst>
-                                    <p:cond delay="0"/>
-                                  </p:stCondLst>
-                                  <p:childTnLst>
-                                    <p:set>
-                                      <p:cBhvr>
-                                        <p:cTn id="6" dur="1" fill="hold">
-                                          <p:stCondLst>
-                                            <p:cond delay="0"/>
-                                          </p:stCondLst>
-                                        </p:cTn>
-                                        <p:tgtEl>
-                                          <p:spTgt spid="5"/>
-                                        </p:tgtEl>
-                                        <p:attrNameLst>
-                                          <p:attrName>style.visibility</p:attrName>
-                                        </p:attrNameLst>
-                                      </p:cBhvr>
-                                      <p:to>
-                                        <p:strVal val="visible"/>
-                                      </p:to>
-                                    </p:set>
-                                    <p:animEffect transition="in" filter="fade">
-                                      <p:cBhvr>
-                                        <p:cTn id="7" dur="1000"/>
-                                        <p:tgtEl>
-                                          <p:spTgt spid="5"/>
-                                        </p:tgtEl>
-                                      </p:cBhvr>
-                                    </p:animEffect>
-                                    <p:anim calcmode="lin" valueType="num">
-                                      <p:cBhvr>
-                                        <p:cTn id="8" dur="1000" fill="hold"/>
-                                        <p:tgtEl>
-                                          <p:spTgt spid="5"/>
-                                        </p:tgtEl>
-                                        <p:attrNameLst>
-                                          <p:attrName>ppt_x</p:attrName>
-                                        </p:attrNameLst>
-                                      </p:cBhvr>
-                                      <p:tavLst>
-                                        <p:tav tm="0">
-                                          <p:val>
-                                            <p:strVal val="#ppt_x"/>
-                                          </p:val>
-                                        </p:tav>
-                                        <p:tav tm="100000">
-                                          <p:val>
-                                            <p:strVal val="#ppt_x"/>
-                                          </p:val>
-                                        </p:tav>
-                                      </p:tavLst>
-                                    </p:anim>
-                                    <p:anim calcmode="lin" valueType="num">
-                                      <p:cBhvr>
-                                        <p:cTn id="9" dur="1000" fill="hold"/>
-                                        <p:tgtEl>
-                                          <p:spTgt spid="5"/>
-                                        </p:tgtEl>
-                                        <p:attrNameLst>
-                                          <p:attrName>ppt_y</p:attrName>
-                                        </p:attrNameLst>
-                                      </p:cBhvr>
-                                      <p:tavLst>
-                                        <p:tav tm="0">
-                                          <p:val>
-                                            <p:strVal val="#ppt_y+.1"/>
-                                          </p:val>
-                                        </p:tav>
-                                        <p:tav tm="100000">
-                                          <p:val>
-                                            <p:strVal val="#ppt_y"/>
-                                          </p:val>
-                                        </p:tav>
-                                      </p:tavLst>
-                                    </p:anim>
-                                  </p:childTnLst>
-                                </p:cTn>
-                              </p:par>
-                            </p:childTnLst>
-                          </p:cTn>
-                        </p:par>
-                        <p:par>
-                          <p:cTn id="10" fill="hold">
-                            <p:stCondLst>
-                              <p:cond delay="1000"/>
-                            </p:stCondLst>
-                            <p:childTnLst>
-                              <p:par>
-                                <p:cTn id="11" presetID="22" presetClass="entr" presetSubtype="8" fill="hold" nodeType="afterEffect">
-                                  <p:stCondLst>
-                                    <p:cond delay="0"/>
-                                  </p:stCondLst>
-                                  <p:childTnLst>
-                                    <p:set>
-                                      <p:cBhvr>
-                                        <p:cTn id="12" dur="1" fill="hold">
-                                          <p:stCondLst>
-                                            <p:cond delay="0"/>
-                                          </p:stCondLst>
-                                        </p:cTn>
-                                        <p:tgtEl>
-                                          <p:spTgt spid="4"/>
-                                        </p:tgtEl>
-                                        <p:attrNameLst>
-                                          <p:attrName>style.visibility</p:attrName>
-                                        </p:attrNameLst>
-                                      </p:cBhvr>
-                                      <p:to>
-                                        <p:strVal val="visible"/>
-                                      </p:to>
-                                    </p:set>
-                                    <p:animEffect transition="in" filter="wipe(left)">
-                                      <p:cBhvr>
-                                        <p:cTn id="13" dur="500"/>
-                                        <p:tgtEl>
-                                          <p:spTgt spid="4"/>
-                                        </p:tgtEl>
-                                      </p:cBhvr>
-                                    </p:animEffect>
-                                  </p:childTnLst>
-                                </p:cTn>
-                              </p:par>
-                              <p:par>
-                                <p:cTn id="14" presetID="22" presetClass="entr" presetSubtype="2" fill="hold" grpId="0" nodeType="withEffect">
+                                <p:cTn id="5" presetID="10" presetClass="entr" presetSubtype="0" fill="hold" grpId="1" nodeType="afterEffect">
                                   <p:stCondLst>
                                     <p:cond delay="0"/>
                                   </p:stCondLst>
@@ -9402,13 +9201,13 @@
                                   <p:childTnLst>
                                     <p:set>
                                       <p:cBhvr>
-                                        <p:cTn id="15" dur="1" fill="hold">
+                                        <p:cTn id="6" dur="1" fill="hold">
                                           <p:stCondLst>
                                             <p:cond delay="0"/>
                                           </p:stCondLst>
                                         </p:cTn>
                                         <p:tgtEl>
-                                          <p:spTgt spid="3"/>
+                                          <p:spTgt spid="5"/>
                                         </p:tgtEl>
                                         <p:attrNameLst>
                                           <p:attrName>style.visibility</p:attrName>
@@ -9418,11 +9217,11 @@
                                         <p:strVal val="visible"/>
                                       </p:to>
                                     </p:set>
-                                    <p:animEffect transition="in" filter="wipe(right)">
-                                      <p:cBhvr>
-                                        <p:cTn id="16" dur="500"/>
-                                        <p:tgtEl>
-                                          <p:spTgt spid="3"/>
+                                    <p:animEffect transition="in" filter="fade">
+                                      <p:cBhvr>
+                                        <p:cTn id="7" dur="500"/>
+                                        <p:tgtEl>
+                                          <p:spTgt spid="5"/>
                                         </p:tgtEl>
                                       </p:cBhvr>
                                     </p:animEffect>
@@ -9433,13 +9232,13 @@
                           </p:cTn>
                         </p:par>
                         <p:par>
-                          <p:cTn id="17" fill="hold">
+                          <p:cTn id="8" fill="hold">
                             <p:stCondLst>
-                              <p:cond delay="1500"/>
+                              <p:cond delay="500"/>
                             </p:stCondLst>
                             <p:childTnLst>
                               <p:par>
-                                <p:cTn id="18" presetID="34" presetClass="emph" presetSubtype="0" fill="hold" grpId="1" nodeType="afterEffect">
+                                <p:cTn id="9" presetID="34" presetClass="emph" presetSubtype="0" fill="hold" grpId="0" nodeType="afterEffect">
                                   <p:stCondLst>
                                     <p:cond delay="0"/>
                                   </p:stCondLst>
@@ -9447,32 +9246,31 @@
                                     <p:tmPct val="10000"/>
                                   </p:iterate>
                                   <p:childTnLst>
-                                    <p:animMotion origin="layout" path="M 8.33333E-7 0 L 8.33333E-7 -0.07222 " pathEditMode="relative" rAng="0" ptsTypes="AA">
-                                      <p:cBhvr>
-                                        <p:cTn id="19" dur="250" accel="50000" decel="50000" autoRev="1" fill="hold">
+                                    <p:animMotion origin="layout" path="M 0.0 0.0 L 0.0 -0.07213" pathEditMode="relative" ptsTypes="">
+                                      <p:cBhvr>
+                                        <p:cTn id="10" dur="250" accel="50000" decel="50000" autoRev="1" fill="hold">
                                           <p:stCondLst>
                                             <p:cond delay="0"/>
                                           </p:stCondLst>
                                         </p:cTn>
                                         <p:tgtEl>
-                                          <p:spTgt spid="3"/>
+                                          <p:spTgt spid="5"/>
                                         </p:tgtEl>
                                         <p:attrNameLst>
                                           <p:attrName>ppt_x</p:attrName>
                                           <p:attrName>ppt_y</p:attrName>
                                         </p:attrNameLst>
                                       </p:cBhvr>
-                                      <p:rCtr x="0" y="-3611"/>
                                     </p:animMotion>
                                     <p:animRot by="1500000">
                                       <p:cBhvr>
-                                        <p:cTn id="20" dur="125" fill="hold">
+                                        <p:cTn id="11" dur="125" fill="hold">
                                           <p:stCondLst>
                                             <p:cond delay="0"/>
                                           </p:stCondLst>
                                         </p:cTn>
                                         <p:tgtEl>
-                                          <p:spTgt spid="3"/>
+                                          <p:spTgt spid="5"/>
                                         </p:tgtEl>
                                         <p:attrNameLst>
                                           <p:attrName>r</p:attrName>
@@ -9481,13 +9279,13 @@
                                     </p:animRot>
                                     <p:animRot by="-1500000">
                                       <p:cBhvr>
-                                        <p:cTn id="21" dur="125" fill="hold">
+                                        <p:cTn id="12" dur="125" fill="hold">
                                           <p:stCondLst>
                                             <p:cond delay="125"/>
                                           </p:stCondLst>
                                         </p:cTn>
                                         <p:tgtEl>
-                                          <p:spTgt spid="3"/>
+                                          <p:spTgt spid="5"/>
                                         </p:tgtEl>
                                         <p:attrNameLst>
                                           <p:attrName>r</p:attrName>
@@ -9496,13 +9294,13 @@
                                     </p:animRot>
                                     <p:animRot by="-1500000">
                                       <p:cBhvr>
-                                        <p:cTn id="22" dur="125" fill="hold">
+                                        <p:cTn id="13" dur="125" fill="hold">
                                           <p:stCondLst>
                                             <p:cond delay="250"/>
                                           </p:stCondLst>
                                         </p:cTn>
                                         <p:tgtEl>
-                                          <p:spTgt spid="3"/>
+                                          <p:spTgt spid="5"/>
                                         </p:tgtEl>
                                         <p:attrNameLst>
                                           <p:attrName>r</p:attrName>
@@ -9511,118 +9309,19 @@
                                     </p:animRot>
                                     <p:animRot by="1500000">
                                       <p:cBhvr>
-                                        <p:cTn id="23" dur="125" fill="hold">
+                                        <p:cTn id="14" dur="125" fill="hold">
                                           <p:stCondLst>
                                             <p:cond delay="375"/>
                                           </p:stCondLst>
                                         </p:cTn>
                                         <p:tgtEl>
-                                          <p:spTgt spid="3"/>
+                                          <p:spTgt spid="5"/>
                                         </p:tgtEl>
                                         <p:attrNameLst>
                                           <p:attrName>r</p:attrName>
                                         </p:attrNameLst>
                                       </p:cBhvr>
                                     </p:animRot>
-                                  </p:childTnLst>
-                                </p:cTn>
-                              </p:par>
-                            </p:childTnLst>
-                          </p:cTn>
-                        </p:par>
-                      </p:childTnLst>
-                    </p:cTn>
-                  </p:par>
-                  <p:par>
-                    <p:cTn id="24" fill="hold">
-                      <p:stCondLst>
-                        <p:cond delay="indefinite"/>
-                      </p:stCondLst>
-                      <p:childTnLst>
-                        <p:par>
-                          <p:cTn id="25" fill="hold">
-                            <p:stCondLst>
-                              <p:cond delay="0"/>
-                            </p:stCondLst>
-                            <p:childTnLst>
-                              <p:par>
-                                <p:cTn id="26" presetID="42" presetClass="exit" presetSubtype="0" fill="hold" grpId="1" nodeType="clickEffect">
-                                  <p:stCondLst>
-                                    <p:cond delay="0"/>
-                                  </p:stCondLst>
-                                  <p:childTnLst>
-                                    <p:animEffect transition="out" filter="fade">
-                                      <p:cBhvr>
-                                        <p:cTn id="27" dur="1000"/>
-                                        <p:tgtEl>
-                                          <p:spTgt spid="5"/>
-                                        </p:tgtEl>
-                                      </p:cBhvr>
-                                    </p:animEffect>
-                                    <p:anim calcmode="lin" valueType="num">
-                                      <p:cBhvr>
-                                        <p:cTn id="28" dur="1000"/>
-                                        <p:tgtEl>
-                                          <p:spTgt spid="5"/>
-                                        </p:tgtEl>
-                                        <p:attrNameLst>
-                                          <p:attrName>ppt_x</p:attrName>
-                                        </p:attrNameLst>
-                                      </p:cBhvr>
-                                      <p:tavLst>
-                                        <p:tav tm="0">
-                                          <p:val>
-                                            <p:strVal val="ppt_x"/>
-                                          </p:val>
-                                        </p:tav>
-                                        <p:tav tm="100000">
-                                          <p:val>
-                                            <p:strVal val="ppt_x"/>
-                                          </p:val>
-                                        </p:tav>
-                                      </p:tavLst>
-                                    </p:anim>
-                                    <p:anim calcmode="lin" valueType="num">
-                                      <p:cBhvr>
-                                        <p:cTn id="29" dur="1000"/>
-                                        <p:tgtEl>
-                                          <p:spTgt spid="5"/>
-                                        </p:tgtEl>
-                                        <p:attrNameLst>
-                                          <p:attrName>ppt_y</p:attrName>
-                                        </p:attrNameLst>
-                                      </p:cBhvr>
-                                      <p:tavLst>
-                                        <p:tav tm="0">
-                                          <p:val>
-                                            <p:strVal val="ppt_y"/>
-                                          </p:val>
-                                        </p:tav>
-                                        <p:tav tm="100000">
-                                          <p:val>
-                                            <p:strVal val="ppt_y+.1"/>
-                                          </p:val>
-                                        </p:tav>
-                                      </p:tavLst>
-                                    </p:anim>
-                                    <p:set>
-                                      <p:cBhvr>
-                                        <p:cTn id="30" dur="1" fill="hold">
-                                          <p:stCondLst>
-                                            <p:cond delay="999"/>
-                                          </p:stCondLst>
-                                        </p:cTn>
-                                        <p:tgtEl>
-                                          <p:spTgt spid="5"/>
-                                        </p:tgtEl>
-                                        <p:attrNameLst>
-                                          <p:attrName>style.visibility</p:attrName>
-                                        </p:attrNameLst>
-                                      </p:cBhvr>
-                                      <p:to>
-                                        <p:strVal val="hidden"/>
-                                      </p:to>
-                                    </p:set>
                                   </p:childTnLst>
                                 </p:cTn>
                               </p:par>
@@ -9654,8 +9353,6 @@
       </p:par>
     </p:tnLst>
     <p:bldLst>
-      <p:bldP spid="3" grpId="0"/>
-      <p:bldP spid="3" grpId="1"/>
       <p:bldP spid="5" grpId="0"/>
       <p:bldP spid="5" grpId="1"/>
     </p:bldLst>
@@ -11573,14 +11270,6 @@
               </a:rPr>
               <a:t>Обучение лиц с ОВЗ</a:t>
             </a:r>
-            <a:endParaRPr lang="ru-RU" sz="2600" dirty="0" smtClean="0">
-              <a:solidFill>
-                <a:schemeClr val="bg1">
-                  <a:lumMod val="95000"/>
-                </a:schemeClr>
-              </a:solidFill>
-              <a:latin typeface="Trebuchet MS" panose="020B0603020202020204" pitchFamily="34" charset="0"/>
-            </a:endParaRPr>
           </a:p>
           <a:p>
             <a:pPr marL="457200" indent="-457200" algn="just">
@@ -11596,18 +11285,7 @@
                 </a:solidFill>
                 <a:latin typeface="Trebuchet MS" panose="020B0603020202020204" pitchFamily="34" charset="0"/>
               </a:rPr>
-              <a:t>Развитие </a:t>
-            </a:r>
-            <a:r>
-              <a:rPr lang="ru-RU" sz="2600" dirty="0" smtClean="0">
-                <a:solidFill>
-                  <a:schemeClr val="bg1">
-                    <a:lumMod val="95000"/>
-                  </a:schemeClr>
-                </a:solidFill>
-                <a:latin typeface="Trebuchet MS" panose="020B0603020202020204" pitchFamily="34" charset="0"/>
-              </a:rPr>
-              <a:t>компьютерных технологий при обучении </a:t>
+              <a:t>Развитие компьютерных технологий при обучении </a:t>
             </a:r>
           </a:p>
           <a:p>
@@ -11692,18 +11370,7 @@
                 </a:solidFill>
                 <a:latin typeface="Trebuchet MS" panose="020B0603020202020204" pitchFamily="34" charset="0"/>
               </a:rPr>
-              <a:t>Получение </a:t>
-            </a:r>
-            <a:r>
-              <a:rPr lang="ru-RU" sz="2600" dirty="0" smtClean="0">
-                <a:solidFill>
-                  <a:schemeClr val="bg1">
-                    <a:lumMod val="95000"/>
-                  </a:schemeClr>
-                </a:solidFill>
-                <a:latin typeface="Trebuchet MS" panose="020B0603020202020204" pitchFamily="34" charset="0"/>
-              </a:rPr>
-              <a:t>прибыли</a:t>
+              <a:t>Получение прибыли</a:t>
             </a:r>
           </a:p>
         </p:txBody>
